--- a/ppt 16-9/0246.与主同忧.pptx
+++ b/ppt 16-9/0246.与主同忧.pptx
@@ -5,7 +5,7 @@
     <p:sldMasterId id="2147483648" r:id="rId1"/>
   </p:sldMasterIdLst>
   <p:sldIdLst>
-    <p:sldId id="3084" r:id="rId2"/>
+    <p:sldId id="3086" r:id="rId2"/>
   </p:sldIdLst>
   <p:sldSz cx="12192000" cy="6858000"/>
   <p:notesSz cx="6858000" cy="9144000"/>
@@ -129,7 +129,7 @@
           <p:cNvPr id="2" name="标题 1">
             <a:extLst>
               <a:ext uri="{FF2B5EF4-FFF2-40B4-BE49-F238E27FC236}">
-                <a16:creationId xmlns:a16="http://schemas.microsoft.com/office/drawing/2014/main" id="{014581D3-5943-4A80-5093-4F5BB01A0882}"/>
+                <a16:creationId xmlns:a16="http://schemas.microsoft.com/office/drawing/2014/main" id="{40A34AEF-6A7F-A43F-4D60-3FC3C96008E3}"/>
               </a:ext>
             </a:extLst>
           </p:cNvPr>
@@ -166,7 +166,7 @@
           <p:cNvPr id="3" name="副标题 2">
             <a:extLst>
               <a:ext uri="{FF2B5EF4-FFF2-40B4-BE49-F238E27FC236}">
-                <a16:creationId xmlns:a16="http://schemas.microsoft.com/office/drawing/2014/main" id="{4C66E3FD-5590-EB5A-A867-ADAD6202FAE0}"/>
+                <a16:creationId xmlns:a16="http://schemas.microsoft.com/office/drawing/2014/main" id="{34A0CDE6-855B-9C8A-B2A7-0ECDFC1BB26B}"/>
               </a:ext>
             </a:extLst>
           </p:cNvPr>
@@ -236,7 +236,7 @@
           <p:cNvPr id="4" name="日期占位符 3">
             <a:extLst>
               <a:ext uri="{FF2B5EF4-FFF2-40B4-BE49-F238E27FC236}">
-                <a16:creationId xmlns:a16="http://schemas.microsoft.com/office/drawing/2014/main" id="{22378699-1EF4-12DD-5D4D-55484570951A}"/>
+                <a16:creationId xmlns:a16="http://schemas.microsoft.com/office/drawing/2014/main" id="{3F953456-7AF2-9C0D-6F21-57B9A2200216}"/>
               </a:ext>
             </a:extLst>
           </p:cNvPr>
@@ -252,7 +252,7 @@
           <a:bodyPr/>
           <a:lstStyle/>
           <a:p>
-            <a:fld id="{34D8EF59-E4BA-42C1-9EBB-36763EE1DF21}" type="datetimeFigureOut">
+            <a:fld id="{6E6E17E3-50A1-4064-AF7C-FED16C6960FF}" type="datetimeFigureOut">
               <a:rPr lang="zh-CN" altLang="en-US" smtClean="0"/>
               <a:t>2024/3/10</a:t>
             </a:fld>
@@ -265,7 +265,7 @@
           <p:cNvPr id="5" name="页脚占位符 4">
             <a:extLst>
               <a:ext uri="{FF2B5EF4-FFF2-40B4-BE49-F238E27FC236}">
-                <a16:creationId xmlns:a16="http://schemas.microsoft.com/office/drawing/2014/main" id="{30B95478-C7A4-CAC0-44C4-F67E81D25FAD}"/>
+                <a16:creationId xmlns:a16="http://schemas.microsoft.com/office/drawing/2014/main" id="{53289540-69C8-380D-BBD0-68A6E9260C8A}"/>
               </a:ext>
             </a:extLst>
           </p:cNvPr>
@@ -290,7 +290,7 @@
           <p:cNvPr id="6" name="灯片编号占位符 5">
             <a:extLst>
               <a:ext uri="{FF2B5EF4-FFF2-40B4-BE49-F238E27FC236}">
-                <a16:creationId xmlns:a16="http://schemas.microsoft.com/office/drawing/2014/main" id="{D858B9C6-239A-4EEE-9030-15B776DD317F}"/>
+                <a16:creationId xmlns:a16="http://schemas.microsoft.com/office/drawing/2014/main" id="{E53B7781-FB16-711B-FBFD-76380FF63737}"/>
               </a:ext>
             </a:extLst>
           </p:cNvPr>
@@ -306,7 +306,7 @@
           <a:bodyPr/>
           <a:lstStyle/>
           <a:p>
-            <a:fld id="{A6D60BF5-8722-44C7-A335-BF47C9101FE8}" type="slidenum">
+            <a:fld id="{F32C6067-0C45-4E86-BA71-F5BE61DC7998}" type="slidenum">
               <a:rPr lang="zh-CN" altLang="en-US" smtClean="0"/>
               <a:t>‹#›</a:t>
             </a:fld>
@@ -317,7 +317,7 @@
     </p:spTree>
     <p:extLst>
       <p:ext uri="{BB962C8B-B14F-4D97-AF65-F5344CB8AC3E}">
-        <p14:creationId xmlns:p14="http://schemas.microsoft.com/office/powerpoint/2010/main" val="147829193"/>
+        <p14:creationId xmlns:p14="http://schemas.microsoft.com/office/powerpoint/2010/main" val="2408085241"/>
       </p:ext>
     </p:extLst>
   </p:cSld>
@@ -349,7 +349,7 @@
           <p:cNvPr id="2" name="标题 1">
             <a:extLst>
               <a:ext uri="{FF2B5EF4-FFF2-40B4-BE49-F238E27FC236}">
-                <a16:creationId xmlns:a16="http://schemas.microsoft.com/office/drawing/2014/main" id="{3E5E63C9-8A8A-6F9B-811A-A5F8B5300A8F}"/>
+                <a16:creationId xmlns:a16="http://schemas.microsoft.com/office/drawing/2014/main" id="{FE982AEF-F42C-6BDC-4BF0-EF6C98ED19C7}"/>
               </a:ext>
             </a:extLst>
           </p:cNvPr>
@@ -377,7 +377,7 @@
           <p:cNvPr id="3" name="竖排文字占位符 2">
             <a:extLst>
               <a:ext uri="{FF2B5EF4-FFF2-40B4-BE49-F238E27FC236}">
-                <a16:creationId xmlns:a16="http://schemas.microsoft.com/office/drawing/2014/main" id="{E69E75FB-CA41-7A97-3FA4-E712F50D6CD0}"/>
+                <a16:creationId xmlns:a16="http://schemas.microsoft.com/office/drawing/2014/main" id="{BD2EAAA2-B618-6186-ADE3-EF7EB36B6335}"/>
               </a:ext>
             </a:extLst>
           </p:cNvPr>
@@ -434,7 +434,7 @@
           <p:cNvPr id="4" name="日期占位符 3">
             <a:extLst>
               <a:ext uri="{FF2B5EF4-FFF2-40B4-BE49-F238E27FC236}">
-                <a16:creationId xmlns:a16="http://schemas.microsoft.com/office/drawing/2014/main" id="{0C6385A1-F05C-722F-35F4-8D2EB1552DB6}"/>
+                <a16:creationId xmlns:a16="http://schemas.microsoft.com/office/drawing/2014/main" id="{52587340-D76C-E36D-AA79-A8A5AE312203}"/>
               </a:ext>
             </a:extLst>
           </p:cNvPr>
@@ -450,7 +450,7 @@
           <a:bodyPr/>
           <a:lstStyle/>
           <a:p>
-            <a:fld id="{34D8EF59-E4BA-42C1-9EBB-36763EE1DF21}" type="datetimeFigureOut">
+            <a:fld id="{6E6E17E3-50A1-4064-AF7C-FED16C6960FF}" type="datetimeFigureOut">
               <a:rPr lang="zh-CN" altLang="en-US" smtClean="0"/>
               <a:t>2024/3/10</a:t>
             </a:fld>
@@ -463,7 +463,7 @@
           <p:cNvPr id="5" name="页脚占位符 4">
             <a:extLst>
               <a:ext uri="{FF2B5EF4-FFF2-40B4-BE49-F238E27FC236}">
-                <a16:creationId xmlns:a16="http://schemas.microsoft.com/office/drawing/2014/main" id="{FF5C2CD1-E775-CF8D-6653-DF50F7A3BBC1}"/>
+                <a16:creationId xmlns:a16="http://schemas.microsoft.com/office/drawing/2014/main" id="{F67E8D13-E943-39B8-06D5-B62744E0868B}"/>
               </a:ext>
             </a:extLst>
           </p:cNvPr>
@@ -488,7 +488,7 @@
           <p:cNvPr id="6" name="灯片编号占位符 5">
             <a:extLst>
               <a:ext uri="{FF2B5EF4-FFF2-40B4-BE49-F238E27FC236}">
-                <a16:creationId xmlns:a16="http://schemas.microsoft.com/office/drawing/2014/main" id="{B9075E12-C871-CE86-8002-AE22EFB98EFE}"/>
+                <a16:creationId xmlns:a16="http://schemas.microsoft.com/office/drawing/2014/main" id="{8EA4560A-0EAF-B41F-52E5-C306D55FA460}"/>
               </a:ext>
             </a:extLst>
           </p:cNvPr>
@@ -504,7 +504,7 @@
           <a:bodyPr/>
           <a:lstStyle/>
           <a:p>
-            <a:fld id="{A6D60BF5-8722-44C7-A335-BF47C9101FE8}" type="slidenum">
+            <a:fld id="{F32C6067-0C45-4E86-BA71-F5BE61DC7998}" type="slidenum">
               <a:rPr lang="zh-CN" altLang="en-US" smtClean="0"/>
               <a:t>‹#›</a:t>
             </a:fld>
@@ -515,7 +515,7 @@
     </p:spTree>
     <p:extLst>
       <p:ext uri="{BB962C8B-B14F-4D97-AF65-F5344CB8AC3E}">
-        <p14:creationId xmlns:p14="http://schemas.microsoft.com/office/powerpoint/2010/main" val="2123558282"/>
+        <p14:creationId xmlns:p14="http://schemas.microsoft.com/office/powerpoint/2010/main" val="80638180"/>
       </p:ext>
     </p:extLst>
   </p:cSld>
@@ -547,7 +547,7 @@
           <p:cNvPr id="2" name="竖排标题 1">
             <a:extLst>
               <a:ext uri="{FF2B5EF4-FFF2-40B4-BE49-F238E27FC236}">
-                <a16:creationId xmlns:a16="http://schemas.microsoft.com/office/drawing/2014/main" id="{2CE61FF0-EF67-5D7C-AAF4-5CFDCEB6A76E}"/>
+                <a16:creationId xmlns:a16="http://schemas.microsoft.com/office/drawing/2014/main" id="{0F5DB81D-233E-DD7F-723A-45E1CEA39E02}"/>
               </a:ext>
             </a:extLst>
           </p:cNvPr>
@@ -580,7 +580,7 @@
           <p:cNvPr id="3" name="竖排文字占位符 2">
             <a:extLst>
               <a:ext uri="{FF2B5EF4-FFF2-40B4-BE49-F238E27FC236}">
-                <a16:creationId xmlns:a16="http://schemas.microsoft.com/office/drawing/2014/main" id="{66786A62-AEB0-985C-5812-A71281B955DA}"/>
+                <a16:creationId xmlns:a16="http://schemas.microsoft.com/office/drawing/2014/main" id="{A67D78CB-2653-92D1-EE00-954E7A657744}"/>
               </a:ext>
             </a:extLst>
           </p:cNvPr>
@@ -642,7 +642,7 @@
           <p:cNvPr id="4" name="日期占位符 3">
             <a:extLst>
               <a:ext uri="{FF2B5EF4-FFF2-40B4-BE49-F238E27FC236}">
-                <a16:creationId xmlns:a16="http://schemas.microsoft.com/office/drawing/2014/main" id="{DDF6273A-4DF3-65B8-EC8D-95BE2E552E3F}"/>
+                <a16:creationId xmlns:a16="http://schemas.microsoft.com/office/drawing/2014/main" id="{A69FECA8-A700-D809-BB44-2772B4C7E731}"/>
               </a:ext>
             </a:extLst>
           </p:cNvPr>
@@ -658,7 +658,7 @@
           <a:bodyPr/>
           <a:lstStyle/>
           <a:p>
-            <a:fld id="{34D8EF59-E4BA-42C1-9EBB-36763EE1DF21}" type="datetimeFigureOut">
+            <a:fld id="{6E6E17E3-50A1-4064-AF7C-FED16C6960FF}" type="datetimeFigureOut">
               <a:rPr lang="zh-CN" altLang="en-US" smtClean="0"/>
               <a:t>2024/3/10</a:t>
             </a:fld>
@@ -671,7 +671,7 @@
           <p:cNvPr id="5" name="页脚占位符 4">
             <a:extLst>
               <a:ext uri="{FF2B5EF4-FFF2-40B4-BE49-F238E27FC236}">
-                <a16:creationId xmlns:a16="http://schemas.microsoft.com/office/drawing/2014/main" id="{9EE41AF1-CE8C-45EF-6717-E9ABECC08EFA}"/>
+                <a16:creationId xmlns:a16="http://schemas.microsoft.com/office/drawing/2014/main" id="{F0B1A8B8-F162-0A5B-7B23-02CA454761CA}"/>
               </a:ext>
             </a:extLst>
           </p:cNvPr>
@@ -696,7 +696,7 @@
           <p:cNvPr id="6" name="灯片编号占位符 5">
             <a:extLst>
               <a:ext uri="{FF2B5EF4-FFF2-40B4-BE49-F238E27FC236}">
-                <a16:creationId xmlns:a16="http://schemas.microsoft.com/office/drawing/2014/main" id="{D874F553-9463-6D8D-0882-69B73646E575}"/>
+                <a16:creationId xmlns:a16="http://schemas.microsoft.com/office/drawing/2014/main" id="{081BCF30-F749-6C1A-0CAE-58E511E17730}"/>
               </a:ext>
             </a:extLst>
           </p:cNvPr>
@@ -712,7 +712,7 @@
           <a:bodyPr/>
           <a:lstStyle/>
           <a:p>
-            <a:fld id="{A6D60BF5-8722-44C7-A335-BF47C9101FE8}" type="slidenum">
+            <a:fld id="{F32C6067-0C45-4E86-BA71-F5BE61DC7998}" type="slidenum">
               <a:rPr lang="zh-CN" altLang="en-US" smtClean="0"/>
               <a:t>‹#›</a:t>
             </a:fld>
@@ -723,7 +723,7 @@
     </p:spTree>
     <p:extLst>
       <p:ext uri="{BB962C8B-B14F-4D97-AF65-F5344CB8AC3E}">
-        <p14:creationId xmlns:p14="http://schemas.microsoft.com/office/powerpoint/2010/main" val="424525308"/>
+        <p14:creationId xmlns:p14="http://schemas.microsoft.com/office/powerpoint/2010/main" val="1310614039"/>
       </p:ext>
     </p:extLst>
   </p:cSld>
@@ -755,7 +755,7 @@
           <p:cNvPr id="2" name="标题 1">
             <a:extLst>
               <a:ext uri="{FF2B5EF4-FFF2-40B4-BE49-F238E27FC236}">
-                <a16:creationId xmlns:a16="http://schemas.microsoft.com/office/drawing/2014/main" id="{27A4331F-C4D6-F18D-DC6B-13B75DC5002E}"/>
+                <a16:creationId xmlns:a16="http://schemas.microsoft.com/office/drawing/2014/main" id="{C21D3EDB-A5F6-09A8-E828-122479F4CF90}"/>
               </a:ext>
             </a:extLst>
           </p:cNvPr>
@@ -783,7 +783,7 @@
           <p:cNvPr id="3" name="内容占位符 2">
             <a:extLst>
               <a:ext uri="{FF2B5EF4-FFF2-40B4-BE49-F238E27FC236}">
-                <a16:creationId xmlns:a16="http://schemas.microsoft.com/office/drawing/2014/main" id="{BABAB142-A6B7-2B9F-FFEA-9033299D47A9}"/>
+                <a16:creationId xmlns:a16="http://schemas.microsoft.com/office/drawing/2014/main" id="{4D218F85-0C8E-944F-7D4E-9E5A72ADE5B3}"/>
               </a:ext>
             </a:extLst>
           </p:cNvPr>
@@ -840,7 +840,7 @@
           <p:cNvPr id="4" name="日期占位符 3">
             <a:extLst>
               <a:ext uri="{FF2B5EF4-FFF2-40B4-BE49-F238E27FC236}">
-                <a16:creationId xmlns:a16="http://schemas.microsoft.com/office/drawing/2014/main" id="{3FE689F4-23E1-E882-1E0F-6AEFCC63937F}"/>
+                <a16:creationId xmlns:a16="http://schemas.microsoft.com/office/drawing/2014/main" id="{7CB656CC-3DFD-247D-D18F-94804ECBA2E1}"/>
               </a:ext>
             </a:extLst>
           </p:cNvPr>
@@ -856,7 +856,7 @@
           <a:bodyPr/>
           <a:lstStyle/>
           <a:p>
-            <a:fld id="{34D8EF59-E4BA-42C1-9EBB-36763EE1DF21}" type="datetimeFigureOut">
+            <a:fld id="{6E6E17E3-50A1-4064-AF7C-FED16C6960FF}" type="datetimeFigureOut">
               <a:rPr lang="zh-CN" altLang="en-US" smtClean="0"/>
               <a:t>2024/3/10</a:t>
             </a:fld>
@@ -869,7 +869,7 @@
           <p:cNvPr id="5" name="页脚占位符 4">
             <a:extLst>
               <a:ext uri="{FF2B5EF4-FFF2-40B4-BE49-F238E27FC236}">
-                <a16:creationId xmlns:a16="http://schemas.microsoft.com/office/drawing/2014/main" id="{E741C12E-0A0D-75FB-08AE-2BF8E9929FB0}"/>
+                <a16:creationId xmlns:a16="http://schemas.microsoft.com/office/drawing/2014/main" id="{63ECD851-C11A-225D-F5D0-F8D0E27C1D10}"/>
               </a:ext>
             </a:extLst>
           </p:cNvPr>
@@ -894,7 +894,7 @@
           <p:cNvPr id="6" name="灯片编号占位符 5">
             <a:extLst>
               <a:ext uri="{FF2B5EF4-FFF2-40B4-BE49-F238E27FC236}">
-                <a16:creationId xmlns:a16="http://schemas.microsoft.com/office/drawing/2014/main" id="{4C8E1368-1C4A-D652-9AF2-29DD9A24300A}"/>
+                <a16:creationId xmlns:a16="http://schemas.microsoft.com/office/drawing/2014/main" id="{7AD46947-9E0A-6964-E2C8-23AAC577B350}"/>
               </a:ext>
             </a:extLst>
           </p:cNvPr>
@@ -910,7 +910,7 @@
           <a:bodyPr/>
           <a:lstStyle/>
           <a:p>
-            <a:fld id="{A6D60BF5-8722-44C7-A335-BF47C9101FE8}" type="slidenum">
+            <a:fld id="{F32C6067-0C45-4E86-BA71-F5BE61DC7998}" type="slidenum">
               <a:rPr lang="zh-CN" altLang="en-US" smtClean="0"/>
               <a:t>‹#›</a:t>
             </a:fld>
@@ -921,7 +921,7 @@
     </p:spTree>
     <p:extLst>
       <p:ext uri="{BB962C8B-B14F-4D97-AF65-F5344CB8AC3E}">
-        <p14:creationId xmlns:p14="http://schemas.microsoft.com/office/powerpoint/2010/main" val="827396388"/>
+        <p14:creationId xmlns:p14="http://schemas.microsoft.com/office/powerpoint/2010/main" val="1737359100"/>
       </p:ext>
     </p:extLst>
   </p:cSld>
@@ -953,7 +953,7 @@
           <p:cNvPr id="2" name="标题 1">
             <a:extLst>
               <a:ext uri="{FF2B5EF4-FFF2-40B4-BE49-F238E27FC236}">
-                <a16:creationId xmlns:a16="http://schemas.microsoft.com/office/drawing/2014/main" id="{55B88AE1-6E64-6F92-7FB3-C85E68154B0F}"/>
+                <a16:creationId xmlns:a16="http://schemas.microsoft.com/office/drawing/2014/main" id="{94D3F5F4-0EBC-2CBA-12EA-D5B20090D0A1}"/>
               </a:ext>
             </a:extLst>
           </p:cNvPr>
@@ -990,7 +990,7 @@
           <p:cNvPr id="3" name="文本占位符 2">
             <a:extLst>
               <a:ext uri="{FF2B5EF4-FFF2-40B4-BE49-F238E27FC236}">
-                <a16:creationId xmlns:a16="http://schemas.microsoft.com/office/drawing/2014/main" id="{64FE78B2-85B9-8E93-BC6D-51626E430826}"/>
+                <a16:creationId xmlns:a16="http://schemas.microsoft.com/office/drawing/2014/main" id="{F760F262-BDFB-C510-7312-0BFE27B0D718}"/>
               </a:ext>
             </a:extLst>
           </p:cNvPr>
@@ -1115,7 +1115,7 @@
           <p:cNvPr id="4" name="日期占位符 3">
             <a:extLst>
               <a:ext uri="{FF2B5EF4-FFF2-40B4-BE49-F238E27FC236}">
-                <a16:creationId xmlns:a16="http://schemas.microsoft.com/office/drawing/2014/main" id="{44485778-314B-5710-B80D-943E1BC0EBA7}"/>
+                <a16:creationId xmlns:a16="http://schemas.microsoft.com/office/drawing/2014/main" id="{1AD865ED-683A-C298-2784-FDD1BB62AA46}"/>
               </a:ext>
             </a:extLst>
           </p:cNvPr>
@@ -1131,7 +1131,7 @@
           <a:bodyPr/>
           <a:lstStyle/>
           <a:p>
-            <a:fld id="{34D8EF59-E4BA-42C1-9EBB-36763EE1DF21}" type="datetimeFigureOut">
+            <a:fld id="{6E6E17E3-50A1-4064-AF7C-FED16C6960FF}" type="datetimeFigureOut">
               <a:rPr lang="zh-CN" altLang="en-US" smtClean="0"/>
               <a:t>2024/3/10</a:t>
             </a:fld>
@@ -1144,7 +1144,7 @@
           <p:cNvPr id="5" name="页脚占位符 4">
             <a:extLst>
               <a:ext uri="{FF2B5EF4-FFF2-40B4-BE49-F238E27FC236}">
-                <a16:creationId xmlns:a16="http://schemas.microsoft.com/office/drawing/2014/main" id="{054A320D-FEA6-CF2A-250D-69B090B50C97}"/>
+                <a16:creationId xmlns:a16="http://schemas.microsoft.com/office/drawing/2014/main" id="{6C14E88A-DA52-F793-8524-578DD6EB3C8C}"/>
               </a:ext>
             </a:extLst>
           </p:cNvPr>
@@ -1169,7 +1169,7 @@
           <p:cNvPr id="6" name="灯片编号占位符 5">
             <a:extLst>
               <a:ext uri="{FF2B5EF4-FFF2-40B4-BE49-F238E27FC236}">
-                <a16:creationId xmlns:a16="http://schemas.microsoft.com/office/drawing/2014/main" id="{E22B165C-E68A-70F8-2A75-82E102B9F313}"/>
+                <a16:creationId xmlns:a16="http://schemas.microsoft.com/office/drawing/2014/main" id="{B3588286-7ACA-8F48-8588-9EF133ED9A89}"/>
               </a:ext>
             </a:extLst>
           </p:cNvPr>
@@ -1185,7 +1185,7 @@
           <a:bodyPr/>
           <a:lstStyle/>
           <a:p>
-            <a:fld id="{A6D60BF5-8722-44C7-A335-BF47C9101FE8}" type="slidenum">
+            <a:fld id="{F32C6067-0C45-4E86-BA71-F5BE61DC7998}" type="slidenum">
               <a:rPr lang="zh-CN" altLang="en-US" smtClean="0"/>
               <a:t>‹#›</a:t>
             </a:fld>
@@ -1196,7 +1196,7 @@
     </p:spTree>
     <p:extLst>
       <p:ext uri="{BB962C8B-B14F-4D97-AF65-F5344CB8AC3E}">
-        <p14:creationId xmlns:p14="http://schemas.microsoft.com/office/powerpoint/2010/main" val="3695383333"/>
+        <p14:creationId xmlns:p14="http://schemas.microsoft.com/office/powerpoint/2010/main" val="1832636207"/>
       </p:ext>
     </p:extLst>
   </p:cSld>
@@ -1228,7 +1228,7 @@
           <p:cNvPr id="2" name="标题 1">
             <a:extLst>
               <a:ext uri="{FF2B5EF4-FFF2-40B4-BE49-F238E27FC236}">
-                <a16:creationId xmlns:a16="http://schemas.microsoft.com/office/drawing/2014/main" id="{C73CB677-9C29-17D8-F59F-D252A2369AF1}"/>
+                <a16:creationId xmlns:a16="http://schemas.microsoft.com/office/drawing/2014/main" id="{542FAA6B-6693-21BF-8C25-8E894A177016}"/>
               </a:ext>
             </a:extLst>
           </p:cNvPr>
@@ -1256,7 +1256,7 @@
           <p:cNvPr id="3" name="内容占位符 2">
             <a:extLst>
               <a:ext uri="{FF2B5EF4-FFF2-40B4-BE49-F238E27FC236}">
-                <a16:creationId xmlns:a16="http://schemas.microsoft.com/office/drawing/2014/main" id="{523A234E-F803-FBA4-D93F-908568B6B52E}"/>
+                <a16:creationId xmlns:a16="http://schemas.microsoft.com/office/drawing/2014/main" id="{2B698370-E765-51C9-079F-F4D7E1DAB8FA}"/>
               </a:ext>
             </a:extLst>
           </p:cNvPr>
@@ -1318,7 +1318,7 @@
           <p:cNvPr id="4" name="内容占位符 3">
             <a:extLst>
               <a:ext uri="{FF2B5EF4-FFF2-40B4-BE49-F238E27FC236}">
-                <a16:creationId xmlns:a16="http://schemas.microsoft.com/office/drawing/2014/main" id="{AA4E0F15-FFD1-A023-CB10-8CB9A6626B0D}"/>
+                <a16:creationId xmlns:a16="http://schemas.microsoft.com/office/drawing/2014/main" id="{CA9C4436-AF22-4213-9E51-B74A1E659A45}"/>
               </a:ext>
             </a:extLst>
           </p:cNvPr>
@@ -1380,7 +1380,7 @@
           <p:cNvPr id="5" name="日期占位符 4">
             <a:extLst>
               <a:ext uri="{FF2B5EF4-FFF2-40B4-BE49-F238E27FC236}">
-                <a16:creationId xmlns:a16="http://schemas.microsoft.com/office/drawing/2014/main" id="{B68821EC-EB4D-EE40-06BC-97A35184DFD6}"/>
+                <a16:creationId xmlns:a16="http://schemas.microsoft.com/office/drawing/2014/main" id="{5A1CAE0C-C7FF-572B-056D-9317FA151406}"/>
               </a:ext>
             </a:extLst>
           </p:cNvPr>
@@ -1396,7 +1396,7 @@
           <a:bodyPr/>
           <a:lstStyle/>
           <a:p>
-            <a:fld id="{34D8EF59-E4BA-42C1-9EBB-36763EE1DF21}" type="datetimeFigureOut">
+            <a:fld id="{6E6E17E3-50A1-4064-AF7C-FED16C6960FF}" type="datetimeFigureOut">
               <a:rPr lang="zh-CN" altLang="en-US" smtClean="0"/>
               <a:t>2024/3/10</a:t>
             </a:fld>
@@ -1409,7 +1409,7 @@
           <p:cNvPr id="6" name="页脚占位符 5">
             <a:extLst>
               <a:ext uri="{FF2B5EF4-FFF2-40B4-BE49-F238E27FC236}">
-                <a16:creationId xmlns:a16="http://schemas.microsoft.com/office/drawing/2014/main" id="{CA893360-6343-D40F-F2B4-BC10BB4C9657}"/>
+                <a16:creationId xmlns:a16="http://schemas.microsoft.com/office/drawing/2014/main" id="{DF9F5CDA-CEC9-BACC-BE55-B6A37E8582AD}"/>
               </a:ext>
             </a:extLst>
           </p:cNvPr>
@@ -1434,7 +1434,7 @@
           <p:cNvPr id="7" name="灯片编号占位符 6">
             <a:extLst>
               <a:ext uri="{FF2B5EF4-FFF2-40B4-BE49-F238E27FC236}">
-                <a16:creationId xmlns:a16="http://schemas.microsoft.com/office/drawing/2014/main" id="{35F432F4-F7CD-4040-97BF-3A57C0524A87}"/>
+                <a16:creationId xmlns:a16="http://schemas.microsoft.com/office/drawing/2014/main" id="{416464B2-4B93-7814-525D-1603F9B5DACF}"/>
               </a:ext>
             </a:extLst>
           </p:cNvPr>
@@ -1450,7 +1450,7 @@
           <a:bodyPr/>
           <a:lstStyle/>
           <a:p>
-            <a:fld id="{A6D60BF5-8722-44C7-A335-BF47C9101FE8}" type="slidenum">
+            <a:fld id="{F32C6067-0C45-4E86-BA71-F5BE61DC7998}" type="slidenum">
               <a:rPr lang="zh-CN" altLang="en-US" smtClean="0"/>
               <a:t>‹#›</a:t>
             </a:fld>
@@ -1461,7 +1461,7 @@
     </p:spTree>
     <p:extLst>
       <p:ext uri="{BB962C8B-B14F-4D97-AF65-F5344CB8AC3E}">
-        <p14:creationId xmlns:p14="http://schemas.microsoft.com/office/powerpoint/2010/main" val="2976398585"/>
+        <p14:creationId xmlns:p14="http://schemas.microsoft.com/office/powerpoint/2010/main" val="1309041244"/>
       </p:ext>
     </p:extLst>
   </p:cSld>
@@ -1493,7 +1493,7 @@
           <p:cNvPr id="2" name="标题 1">
             <a:extLst>
               <a:ext uri="{FF2B5EF4-FFF2-40B4-BE49-F238E27FC236}">
-                <a16:creationId xmlns:a16="http://schemas.microsoft.com/office/drawing/2014/main" id="{868EBD2E-4DBB-7DBA-1A84-3FFB08C426A5}"/>
+                <a16:creationId xmlns:a16="http://schemas.microsoft.com/office/drawing/2014/main" id="{BC26C9F8-6202-7A22-08AD-1D818F839365}"/>
               </a:ext>
             </a:extLst>
           </p:cNvPr>
@@ -1526,7 +1526,7 @@
           <p:cNvPr id="3" name="文本占位符 2">
             <a:extLst>
               <a:ext uri="{FF2B5EF4-FFF2-40B4-BE49-F238E27FC236}">
-                <a16:creationId xmlns:a16="http://schemas.microsoft.com/office/drawing/2014/main" id="{71280779-2925-61FE-5492-DED72F21FAD7}"/>
+                <a16:creationId xmlns:a16="http://schemas.microsoft.com/office/drawing/2014/main" id="{AC298C65-9C77-28EE-7A71-4547B87012B9}"/>
               </a:ext>
             </a:extLst>
           </p:cNvPr>
@@ -1597,7 +1597,7 @@
           <p:cNvPr id="4" name="内容占位符 3">
             <a:extLst>
               <a:ext uri="{FF2B5EF4-FFF2-40B4-BE49-F238E27FC236}">
-                <a16:creationId xmlns:a16="http://schemas.microsoft.com/office/drawing/2014/main" id="{D2BCC4C3-CBE5-EA19-38FF-1F452819B554}"/>
+                <a16:creationId xmlns:a16="http://schemas.microsoft.com/office/drawing/2014/main" id="{2232F788-C03D-5937-C2A2-E19325DF9FE2}"/>
               </a:ext>
             </a:extLst>
           </p:cNvPr>
@@ -1659,7 +1659,7 @@
           <p:cNvPr id="5" name="文本占位符 4">
             <a:extLst>
               <a:ext uri="{FF2B5EF4-FFF2-40B4-BE49-F238E27FC236}">
-                <a16:creationId xmlns:a16="http://schemas.microsoft.com/office/drawing/2014/main" id="{5D6691DC-64C3-74D6-75A2-A3D6D0E149E0}"/>
+                <a16:creationId xmlns:a16="http://schemas.microsoft.com/office/drawing/2014/main" id="{21F0FE50-6625-476D-3961-8F1BA9F6C622}"/>
               </a:ext>
             </a:extLst>
           </p:cNvPr>
@@ -1730,7 +1730,7 @@
           <p:cNvPr id="6" name="内容占位符 5">
             <a:extLst>
               <a:ext uri="{FF2B5EF4-FFF2-40B4-BE49-F238E27FC236}">
-                <a16:creationId xmlns:a16="http://schemas.microsoft.com/office/drawing/2014/main" id="{673A0425-E8BE-A7BA-E489-4B33391D1AA2}"/>
+                <a16:creationId xmlns:a16="http://schemas.microsoft.com/office/drawing/2014/main" id="{957E7C4C-C007-43E2-8F17-267CD254194F}"/>
               </a:ext>
             </a:extLst>
           </p:cNvPr>
@@ -1792,7 +1792,7 @@
           <p:cNvPr id="7" name="日期占位符 6">
             <a:extLst>
               <a:ext uri="{FF2B5EF4-FFF2-40B4-BE49-F238E27FC236}">
-                <a16:creationId xmlns:a16="http://schemas.microsoft.com/office/drawing/2014/main" id="{291FB737-3032-F398-5F0D-DF685A7F611A}"/>
+                <a16:creationId xmlns:a16="http://schemas.microsoft.com/office/drawing/2014/main" id="{89399A2B-FD68-BF0A-F41E-0AFA3749B81B}"/>
               </a:ext>
             </a:extLst>
           </p:cNvPr>
@@ -1808,7 +1808,7 @@
           <a:bodyPr/>
           <a:lstStyle/>
           <a:p>
-            <a:fld id="{34D8EF59-E4BA-42C1-9EBB-36763EE1DF21}" type="datetimeFigureOut">
+            <a:fld id="{6E6E17E3-50A1-4064-AF7C-FED16C6960FF}" type="datetimeFigureOut">
               <a:rPr lang="zh-CN" altLang="en-US" smtClean="0"/>
               <a:t>2024/3/10</a:t>
             </a:fld>
@@ -1821,7 +1821,7 @@
           <p:cNvPr id="8" name="页脚占位符 7">
             <a:extLst>
               <a:ext uri="{FF2B5EF4-FFF2-40B4-BE49-F238E27FC236}">
-                <a16:creationId xmlns:a16="http://schemas.microsoft.com/office/drawing/2014/main" id="{662CB0E7-A998-7652-9AC8-9817E357FB72}"/>
+                <a16:creationId xmlns:a16="http://schemas.microsoft.com/office/drawing/2014/main" id="{7EBE9E3E-E93D-E350-FAC0-5DD85A57E044}"/>
               </a:ext>
             </a:extLst>
           </p:cNvPr>
@@ -1846,7 +1846,7 @@
           <p:cNvPr id="9" name="灯片编号占位符 8">
             <a:extLst>
               <a:ext uri="{FF2B5EF4-FFF2-40B4-BE49-F238E27FC236}">
-                <a16:creationId xmlns:a16="http://schemas.microsoft.com/office/drawing/2014/main" id="{5331D754-614D-6327-8E2D-9FD8B2F04CB0}"/>
+                <a16:creationId xmlns:a16="http://schemas.microsoft.com/office/drawing/2014/main" id="{F6F38A29-3FEA-D77B-4107-279549A13C46}"/>
               </a:ext>
             </a:extLst>
           </p:cNvPr>
@@ -1862,7 +1862,7 @@
           <a:bodyPr/>
           <a:lstStyle/>
           <a:p>
-            <a:fld id="{A6D60BF5-8722-44C7-A335-BF47C9101FE8}" type="slidenum">
+            <a:fld id="{F32C6067-0C45-4E86-BA71-F5BE61DC7998}" type="slidenum">
               <a:rPr lang="zh-CN" altLang="en-US" smtClean="0"/>
               <a:t>‹#›</a:t>
             </a:fld>
@@ -1873,7 +1873,7 @@
     </p:spTree>
     <p:extLst>
       <p:ext uri="{BB962C8B-B14F-4D97-AF65-F5344CB8AC3E}">
-        <p14:creationId xmlns:p14="http://schemas.microsoft.com/office/powerpoint/2010/main" val="1909241529"/>
+        <p14:creationId xmlns:p14="http://schemas.microsoft.com/office/powerpoint/2010/main" val="432638661"/>
       </p:ext>
     </p:extLst>
   </p:cSld>
@@ -1905,7 +1905,7 @@
           <p:cNvPr id="2" name="标题 1">
             <a:extLst>
               <a:ext uri="{FF2B5EF4-FFF2-40B4-BE49-F238E27FC236}">
-                <a16:creationId xmlns:a16="http://schemas.microsoft.com/office/drawing/2014/main" id="{1715662F-61B0-4A13-28A4-8F046EA8263B}"/>
+                <a16:creationId xmlns:a16="http://schemas.microsoft.com/office/drawing/2014/main" id="{660EB9B1-507E-6EDB-809E-7BCFD8966893}"/>
               </a:ext>
             </a:extLst>
           </p:cNvPr>
@@ -1933,7 +1933,7 @@
           <p:cNvPr id="3" name="日期占位符 2">
             <a:extLst>
               <a:ext uri="{FF2B5EF4-FFF2-40B4-BE49-F238E27FC236}">
-                <a16:creationId xmlns:a16="http://schemas.microsoft.com/office/drawing/2014/main" id="{DED64FA6-0E39-3E5C-FE42-197733C9D78D}"/>
+                <a16:creationId xmlns:a16="http://schemas.microsoft.com/office/drawing/2014/main" id="{CE24A94B-214D-0229-E9A0-551ACBAFDAF8}"/>
               </a:ext>
             </a:extLst>
           </p:cNvPr>
@@ -1949,7 +1949,7 @@
           <a:bodyPr/>
           <a:lstStyle/>
           <a:p>
-            <a:fld id="{34D8EF59-E4BA-42C1-9EBB-36763EE1DF21}" type="datetimeFigureOut">
+            <a:fld id="{6E6E17E3-50A1-4064-AF7C-FED16C6960FF}" type="datetimeFigureOut">
               <a:rPr lang="zh-CN" altLang="en-US" smtClean="0"/>
               <a:t>2024/3/10</a:t>
             </a:fld>
@@ -1962,7 +1962,7 @@
           <p:cNvPr id="4" name="页脚占位符 3">
             <a:extLst>
               <a:ext uri="{FF2B5EF4-FFF2-40B4-BE49-F238E27FC236}">
-                <a16:creationId xmlns:a16="http://schemas.microsoft.com/office/drawing/2014/main" id="{C5F4BF8B-2023-DED4-B631-FC7D5488204B}"/>
+                <a16:creationId xmlns:a16="http://schemas.microsoft.com/office/drawing/2014/main" id="{B3E892F5-1090-C9C1-0B32-EB5CA132CBA8}"/>
               </a:ext>
             </a:extLst>
           </p:cNvPr>
@@ -1987,7 +1987,7 @@
           <p:cNvPr id="5" name="灯片编号占位符 4">
             <a:extLst>
               <a:ext uri="{FF2B5EF4-FFF2-40B4-BE49-F238E27FC236}">
-                <a16:creationId xmlns:a16="http://schemas.microsoft.com/office/drawing/2014/main" id="{EE4D71D7-250C-9D32-5CE1-7B06B18AC632}"/>
+                <a16:creationId xmlns:a16="http://schemas.microsoft.com/office/drawing/2014/main" id="{C70717FB-71BC-FB1E-EAED-7853924C2132}"/>
               </a:ext>
             </a:extLst>
           </p:cNvPr>
@@ -2003,7 +2003,7 @@
           <a:bodyPr/>
           <a:lstStyle/>
           <a:p>
-            <a:fld id="{A6D60BF5-8722-44C7-A335-BF47C9101FE8}" type="slidenum">
+            <a:fld id="{F32C6067-0C45-4E86-BA71-F5BE61DC7998}" type="slidenum">
               <a:rPr lang="zh-CN" altLang="en-US" smtClean="0"/>
               <a:t>‹#›</a:t>
             </a:fld>
@@ -2014,7 +2014,7 @@
     </p:spTree>
     <p:extLst>
       <p:ext uri="{BB962C8B-B14F-4D97-AF65-F5344CB8AC3E}">
-        <p14:creationId xmlns:p14="http://schemas.microsoft.com/office/powerpoint/2010/main" val="242265384"/>
+        <p14:creationId xmlns:p14="http://schemas.microsoft.com/office/powerpoint/2010/main" val="1159718686"/>
       </p:ext>
     </p:extLst>
   </p:cSld>
@@ -2046,7 +2046,7 @@
           <p:cNvPr id="2" name="日期占位符 1">
             <a:extLst>
               <a:ext uri="{FF2B5EF4-FFF2-40B4-BE49-F238E27FC236}">
-                <a16:creationId xmlns:a16="http://schemas.microsoft.com/office/drawing/2014/main" id="{C27617A5-E00D-576A-6F17-52877458D820}"/>
+                <a16:creationId xmlns:a16="http://schemas.microsoft.com/office/drawing/2014/main" id="{4FE89B44-AF69-C1F4-B457-B039FDA03EE4}"/>
               </a:ext>
             </a:extLst>
           </p:cNvPr>
@@ -2062,7 +2062,7 @@
           <a:bodyPr/>
           <a:lstStyle/>
           <a:p>
-            <a:fld id="{34D8EF59-E4BA-42C1-9EBB-36763EE1DF21}" type="datetimeFigureOut">
+            <a:fld id="{6E6E17E3-50A1-4064-AF7C-FED16C6960FF}" type="datetimeFigureOut">
               <a:rPr lang="zh-CN" altLang="en-US" smtClean="0"/>
               <a:t>2024/3/10</a:t>
             </a:fld>
@@ -2075,7 +2075,7 @@
           <p:cNvPr id="3" name="页脚占位符 2">
             <a:extLst>
               <a:ext uri="{FF2B5EF4-FFF2-40B4-BE49-F238E27FC236}">
-                <a16:creationId xmlns:a16="http://schemas.microsoft.com/office/drawing/2014/main" id="{0CEE0A23-FA0A-6AE7-D418-24C16B42E704}"/>
+                <a16:creationId xmlns:a16="http://schemas.microsoft.com/office/drawing/2014/main" id="{D3890075-AC94-9EAD-2533-C24F88B6635C}"/>
               </a:ext>
             </a:extLst>
           </p:cNvPr>
@@ -2100,7 +2100,7 @@
           <p:cNvPr id="4" name="灯片编号占位符 3">
             <a:extLst>
               <a:ext uri="{FF2B5EF4-FFF2-40B4-BE49-F238E27FC236}">
-                <a16:creationId xmlns:a16="http://schemas.microsoft.com/office/drawing/2014/main" id="{688AC0AB-CB12-8CEE-3C13-AB904F8B63D5}"/>
+                <a16:creationId xmlns:a16="http://schemas.microsoft.com/office/drawing/2014/main" id="{ECB3B330-37DA-61F3-4BA7-B92ACE230E03}"/>
               </a:ext>
             </a:extLst>
           </p:cNvPr>
@@ -2116,7 +2116,7 @@
           <a:bodyPr/>
           <a:lstStyle/>
           <a:p>
-            <a:fld id="{A6D60BF5-8722-44C7-A335-BF47C9101FE8}" type="slidenum">
+            <a:fld id="{F32C6067-0C45-4E86-BA71-F5BE61DC7998}" type="slidenum">
               <a:rPr lang="zh-CN" altLang="en-US" smtClean="0"/>
               <a:t>‹#›</a:t>
             </a:fld>
@@ -2127,7 +2127,7 @@
     </p:spTree>
     <p:extLst>
       <p:ext uri="{BB962C8B-B14F-4D97-AF65-F5344CB8AC3E}">
-        <p14:creationId xmlns:p14="http://schemas.microsoft.com/office/powerpoint/2010/main" val="2323117671"/>
+        <p14:creationId xmlns:p14="http://schemas.microsoft.com/office/powerpoint/2010/main" val="3958266756"/>
       </p:ext>
     </p:extLst>
   </p:cSld>
@@ -2159,7 +2159,7 @@
           <p:cNvPr id="2" name="标题 1">
             <a:extLst>
               <a:ext uri="{FF2B5EF4-FFF2-40B4-BE49-F238E27FC236}">
-                <a16:creationId xmlns:a16="http://schemas.microsoft.com/office/drawing/2014/main" id="{76227D25-8A51-6E9D-B65A-2F85E5169606}"/>
+                <a16:creationId xmlns:a16="http://schemas.microsoft.com/office/drawing/2014/main" id="{01849187-6F45-20D1-F904-5E4CBB8D6187}"/>
               </a:ext>
             </a:extLst>
           </p:cNvPr>
@@ -2196,7 +2196,7 @@
           <p:cNvPr id="3" name="内容占位符 2">
             <a:extLst>
               <a:ext uri="{FF2B5EF4-FFF2-40B4-BE49-F238E27FC236}">
-                <a16:creationId xmlns:a16="http://schemas.microsoft.com/office/drawing/2014/main" id="{45E3D7B3-AD13-7F2A-8E9A-290D16217287}"/>
+                <a16:creationId xmlns:a16="http://schemas.microsoft.com/office/drawing/2014/main" id="{16BDA534-25AD-0253-1E17-A2CC731D058D}"/>
               </a:ext>
             </a:extLst>
           </p:cNvPr>
@@ -2286,7 +2286,7 @@
           <p:cNvPr id="4" name="文本占位符 3">
             <a:extLst>
               <a:ext uri="{FF2B5EF4-FFF2-40B4-BE49-F238E27FC236}">
-                <a16:creationId xmlns:a16="http://schemas.microsoft.com/office/drawing/2014/main" id="{C00508C7-9E13-79C7-ABDC-97D6E02F65C7}"/>
+                <a16:creationId xmlns:a16="http://schemas.microsoft.com/office/drawing/2014/main" id="{9E5E8658-43E1-0AD8-DA46-9540003B4FEA}"/>
               </a:ext>
             </a:extLst>
           </p:cNvPr>
@@ -2357,7 +2357,7 @@
           <p:cNvPr id="5" name="日期占位符 4">
             <a:extLst>
               <a:ext uri="{FF2B5EF4-FFF2-40B4-BE49-F238E27FC236}">
-                <a16:creationId xmlns:a16="http://schemas.microsoft.com/office/drawing/2014/main" id="{598BB44D-50E4-1226-E956-71BB1EBA39BA}"/>
+                <a16:creationId xmlns:a16="http://schemas.microsoft.com/office/drawing/2014/main" id="{5003D34C-2254-DDFF-14F5-3DF62A7E404B}"/>
               </a:ext>
             </a:extLst>
           </p:cNvPr>
@@ -2373,7 +2373,7 @@
           <a:bodyPr/>
           <a:lstStyle/>
           <a:p>
-            <a:fld id="{34D8EF59-E4BA-42C1-9EBB-36763EE1DF21}" type="datetimeFigureOut">
+            <a:fld id="{6E6E17E3-50A1-4064-AF7C-FED16C6960FF}" type="datetimeFigureOut">
               <a:rPr lang="zh-CN" altLang="en-US" smtClean="0"/>
               <a:t>2024/3/10</a:t>
             </a:fld>
@@ -2386,7 +2386,7 @@
           <p:cNvPr id="6" name="页脚占位符 5">
             <a:extLst>
               <a:ext uri="{FF2B5EF4-FFF2-40B4-BE49-F238E27FC236}">
-                <a16:creationId xmlns:a16="http://schemas.microsoft.com/office/drawing/2014/main" id="{9DB55E64-55AF-AF2A-BC80-3D49D3F8CFBF}"/>
+                <a16:creationId xmlns:a16="http://schemas.microsoft.com/office/drawing/2014/main" id="{B7CD472B-6997-C96F-471D-E34C594C7838}"/>
               </a:ext>
             </a:extLst>
           </p:cNvPr>
@@ -2411,7 +2411,7 @@
           <p:cNvPr id="7" name="灯片编号占位符 6">
             <a:extLst>
               <a:ext uri="{FF2B5EF4-FFF2-40B4-BE49-F238E27FC236}">
-                <a16:creationId xmlns:a16="http://schemas.microsoft.com/office/drawing/2014/main" id="{98024606-19F6-B8D4-9481-44DAC278ADAF}"/>
+                <a16:creationId xmlns:a16="http://schemas.microsoft.com/office/drawing/2014/main" id="{28FC99A0-AC00-53CA-EFC8-A4139F1FDB3D}"/>
               </a:ext>
             </a:extLst>
           </p:cNvPr>
@@ -2427,7 +2427,7 @@
           <a:bodyPr/>
           <a:lstStyle/>
           <a:p>
-            <a:fld id="{A6D60BF5-8722-44C7-A335-BF47C9101FE8}" type="slidenum">
+            <a:fld id="{F32C6067-0C45-4E86-BA71-F5BE61DC7998}" type="slidenum">
               <a:rPr lang="zh-CN" altLang="en-US" smtClean="0"/>
               <a:t>‹#›</a:t>
             </a:fld>
@@ -2438,7 +2438,7 @@
     </p:spTree>
     <p:extLst>
       <p:ext uri="{BB962C8B-B14F-4D97-AF65-F5344CB8AC3E}">
-        <p14:creationId xmlns:p14="http://schemas.microsoft.com/office/powerpoint/2010/main" val="1378036331"/>
+        <p14:creationId xmlns:p14="http://schemas.microsoft.com/office/powerpoint/2010/main" val="244765056"/>
       </p:ext>
     </p:extLst>
   </p:cSld>
@@ -2470,7 +2470,7 @@
           <p:cNvPr id="2" name="标题 1">
             <a:extLst>
               <a:ext uri="{FF2B5EF4-FFF2-40B4-BE49-F238E27FC236}">
-                <a16:creationId xmlns:a16="http://schemas.microsoft.com/office/drawing/2014/main" id="{AE26A5F4-2A00-0F44-0A52-4D84D05350A7}"/>
+                <a16:creationId xmlns:a16="http://schemas.microsoft.com/office/drawing/2014/main" id="{2D7AE867-7A81-949E-A844-F6918CF645A1}"/>
               </a:ext>
             </a:extLst>
           </p:cNvPr>
@@ -2507,7 +2507,7 @@
           <p:cNvPr id="3" name="图片占位符 2">
             <a:extLst>
               <a:ext uri="{FF2B5EF4-FFF2-40B4-BE49-F238E27FC236}">
-                <a16:creationId xmlns:a16="http://schemas.microsoft.com/office/drawing/2014/main" id="{B20EE542-1A28-986F-7548-3C527E21D30C}"/>
+                <a16:creationId xmlns:a16="http://schemas.microsoft.com/office/drawing/2014/main" id="{30540FC0-F6B8-ACC5-5927-704340C76AC2}"/>
               </a:ext>
             </a:extLst>
           </p:cNvPr>
@@ -2574,7 +2574,7 @@
           <p:cNvPr id="4" name="文本占位符 3">
             <a:extLst>
               <a:ext uri="{FF2B5EF4-FFF2-40B4-BE49-F238E27FC236}">
-                <a16:creationId xmlns:a16="http://schemas.microsoft.com/office/drawing/2014/main" id="{76D4DE84-3198-16F4-1262-2BD06E047FF3}"/>
+                <a16:creationId xmlns:a16="http://schemas.microsoft.com/office/drawing/2014/main" id="{CF45AF26-EF2F-DBFD-AADF-364B65EE198C}"/>
               </a:ext>
             </a:extLst>
           </p:cNvPr>
@@ -2645,7 +2645,7 @@
           <p:cNvPr id="5" name="日期占位符 4">
             <a:extLst>
               <a:ext uri="{FF2B5EF4-FFF2-40B4-BE49-F238E27FC236}">
-                <a16:creationId xmlns:a16="http://schemas.microsoft.com/office/drawing/2014/main" id="{DA5C937D-6B2E-287F-BCF9-435F4C7A06B7}"/>
+                <a16:creationId xmlns:a16="http://schemas.microsoft.com/office/drawing/2014/main" id="{E79FAE73-940C-8BD1-4D79-8FA536E653C8}"/>
               </a:ext>
             </a:extLst>
           </p:cNvPr>
@@ -2661,7 +2661,7 @@
           <a:bodyPr/>
           <a:lstStyle/>
           <a:p>
-            <a:fld id="{34D8EF59-E4BA-42C1-9EBB-36763EE1DF21}" type="datetimeFigureOut">
+            <a:fld id="{6E6E17E3-50A1-4064-AF7C-FED16C6960FF}" type="datetimeFigureOut">
               <a:rPr lang="zh-CN" altLang="en-US" smtClean="0"/>
               <a:t>2024/3/10</a:t>
             </a:fld>
@@ -2674,7 +2674,7 @@
           <p:cNvPr id="6" name="页脚占位符 5">
             <a:extLst>
               <a:ext uri="{FF2B5EF4-FFF2-40B4-BE49-F238E27FC236}">
-                <a16:creationId xmlns:a16="http://schemas.microsoft.com/office/drawing/2014/main" id="{2CA26615-5E1F-C5E2-8A7A-26C8D826B97D}"/>
+                <a16:creationId xmlns:a16="http://schemas.microsoft.com/office/drawing/2014/main" id="{9490BF92-ADF5-C238-E771-F1DE37E70908}"/>
               </a:ext>
             </a:extLst>
           </p:cNvPr>
@@ -2699,7 +2699,7 @@
           <p:cNvPr id="7" name="灯片编号占位符 6">
             <a:extLst>
               <a:ext uri="{FF2B5EF4-FFF2-40B4-BE49-F238E27FC236}">
-                <a16:creationId xmlns:a16="http://schemas.microsoft.com/office/drawing/2014/main" id="{0C50436F-4072-5757-B9C6-8DA08A54E115}"/>
+                <a16:creationId xmlns:a16="http://schemas.microsoft.com/office/drawing/2014/main" id="{A93F33ED-B658-3F58-2772-7E65416C8066}"/>
               </a:ext>
             </a:extLst>
           </p:cNvPr>
@@ -2715,7 +2715,7 @@
           <a:bodyPr/>
           <a:lstStyle/>
           <a:p>
-            <a:fld id="{A6D60BF5-8722-44C7-A335-BF47C9101FE8}" type="slidenum">
+            <a:fld id="{F32C6067-0C45-4E86-BA71-F5BE61DC7998}" type="slidenum">
               <a:rPr lang="zh-CN" altLang="en-US" smtClean="0"/>
               <a:t>‹#›</a:t>
             </a:fld>
@@ -2726,7 +2726,7 @@
     </p:spTree>
     <p:extLst>
       <p:ext uri="{BB962C8B-B14F-4D97-AF65-F5344CB8AC3E}">
-        <p14:creationId xmlns:p14="http://schemas.microsoft.com/office/powerpoint/2010/main" val="4021299710"/>
+        <p14:creationId xmlns:p14="http://schemas.microsoft.com/office/powerpoint/2010/main" val="1579287016"/>
       </p:ext>
     </p:extLst>
   </p:cSld>
@@ -2763,7 +2763,7 @@
           <p:cNvPr id="2" name="标题占位符 1">
             <a:extLst>
               <a:ext uri="{FF2B5EF4-FFF2-40B4-BE49-F238E27FC236}">
-                <a16:creationId xmlns:a16="http://schemas.microsoft.com/office/drawing/2014/main" id="{54B87FB6-5FD9-EDDC-1864-5A4659C5F1C4}"/>
+                <a16:creationId xmlns:a16="http://schemas.microsoft.com/office/drawing/2014/main" id="{E33C05FD-C28D-F5AF-76E5-2D83C846C0DF}"/>
               </a:ext>
             </a:extLst>
           </p:cNvPr>
@@ -2801,7 +2801,7 @@
           <p:cNvPr id="3" name="文本占位符 2">
             <a:extLst>
               <a:ext uri="{FF2B5EF4-FFF2-40B4-BE49-F238E27FC236}">
-                <a16:creationId xmlns:a16="http://schemas.microsoft.com/office/drawing/2014/main" id="{B178BD64-BE3D-35F8-BABC-7940082AD068}"/>
+                <a16:creationId xmlns:a16="http://schemas.microsoft.com/office/drawing/2014/main" id="{30CD2279-E9A1-FC65-C4FD-335B0A6E6951}"/>
               </a:ext>
             </a:extLst>
           </p:cNvPr>
@@ -2868,7 +2868,7 @@
           <p:cNvPr id="4" name="日期占位符 3">
             <a:extLst>
               <a:ext uri="{FF2B5EF4-FFF2-40B4-BE49-F238E27FC236}">
-                <a16:creationId xmlns:a16="http://schemas.microsoft.com/office/drawing/2014/main" id="{63C9177D-53F1-3DC0-BEE8-9E4DB4149A67}"/>
+                <a16:creationId xmlns:a16="http://schemas.microsoft.com/office/drawing/2014/main" id="{9DF10368-61F5-99E9-107F-3B38D670E92A}"/>
               </a:ext>
             </a:extLst>
           </p:cNvPr>
@@ -2902,7 +2902,7 @@
             </a:lvl1pPr>
           </a:lstStyle>
           <a:p>
-            <a:fld id="{34D8EF59-E4BA-42C1-9EBB-36763EE1DF21}" type="datetimeFigureOut">
+            <a:fld id="{6E6E17E3-50A1-4064-AF7C-FED16C6960FF}" type="datetimeFigureOut">
               <a:rPr lang="zh-CN" altLang="en-US" smtClean="0"/>
               <a:t>2024/3/10</a:t>
             </a:fld>
@@ -2915,7 +2915,7 @@
           <p:cNvPr id="5" name="页脚占位符 4">
             <a:extLst>
               <a:ext uri="{FF2B5EF4-FFF2-40B4-BE49-F238E27FC236}">
-                <a16:creationId xmlns:a16="http://schemas.microsoft.com/office/drawing/2014/main" id="{D8955AAB-012D-E2F0-F475-16B47515279C}"/>
+                <a16:creationId xmlns:a16="http://schemas.microsoft.com/office/drawing/2014/main" id="{5D2920FD-33B8-0E0D-E48A-69541D515337}"/>
               </a:ext>
             </a:extLst>
           </p:cNvPr>
@@ -2958,7 +2958,7 @@
           <p:cNvPr id="6" name="灯片编号占位符 5">
             <a:extLst>
               <a:ext uri="{FF2B5EF4-FFF2-40B4-BE49-F238E27FC236}">
-                <a16:creationId xmlns:a16="http://schemas.microsoft.com/office/drawing/2014/main" id="{CE0691D6-1228-9853-6D1C-273B0BFF5CE1}"/>
+                <a16:creationId xmlns:a16="http://schemas.microsoft.com/office/drawing/2014/main" id="{D674E0BF-AD19-5EDE-AB31-1244EF9AE858}"/>
               </a:ext>
             </a:extLst>
           </p:cNvPr>
@@ -2992,7 +2992,7 @@
             </a:lvl1pPr>
           </a:lstStyle>
           <a:p>
-            <a:fld id="{A6D60BF5-8722-44C7-A335-BF47C9101FE8}" type="slidenum">
+            <a:fld id="{F32C6067-0C45-4E86-BA71-F5BE61DC7998}" type="slidenum">
               <a:rPr lang="zh-CN" altLang="en-US" smtClean="0"/>
               <a:t>‹#›</a:t>
             </a:fld>
@@ -3003,7 +3003,7 @@
     </p:spTree>
     <p:extLst>
       <p:ext uri="{BB962C8B-B14F-4D97-AF65-F5344CB8AC3E}">
-        <p14:creationId xmlns:p14="http://schemas.microsoft.com/office/powerpoint/2010/main" val="3671784706"/>
+        <p14:creationId xmlns:p14="http://schemas.microsoft.com/office/powerpoint/2010/main" val="1602105055"/>
       </p:ext>
     </p:extLst>
   </p:cSld>
@@ -3323,7 +3323,7 @@
       </p:grpSpPr>
       <p:pic>
         <p:nvPicPr>
-          <p:cNvPr id="251906" name="Picture 2" descr="245"/>
+          <p:cNvPr id="252930" name="Picture 2" descr="246"/>
           <p:cNvPicPr>
             <a:picLocks noChangeAspect="1" noChangeArrowheads="1"/>
           </p:cNvPicPr>
@@ -3345,7 +3345,7 @@
         <p:spPr bwMode="auto">
           <a:xfrm>
             <a:off x="1524000" y="0"/>
-            <a:ext cx="9144000" cy="6858000"/>
+            <a:ext cx="9144000" cy="6859588"/>
           </a:xfrm>
           <a:prstGeom prst="rect">
             <a:avLst/>
@@ -3375,158 +3375,11 @@
           </a:extLst>
         </p:spPr>
       </p:pic>
-      <p:pic>
-        <p:nvPicPr>
-          <p:cNvPr id="252931" name="Picture 3" descr="245-2"/>
-          <p:cNvPicPr>
-            <a:picLocks noChangeAspect="1" noChangeArrowheads="1"/>
-          </p:cNvPicPr>
-          <p:nvPr/>
-        </p:nvPicPr>
-        <p:blipFill>
-          <a:blip r:embed="rId3">
-            <a:extLst>
-              <a:ext uri="{28A0092B-C50C-407E-A947-70E740481C1C}">
-                <a14:useLocalDpi xmlns:a14="http://schemas.microsoft.com/office/drawing/2010/main" val="0"/>
-              </a:ext>
-            </a:extLst>
-          </a:blip>
-          <a:srcRect/>
-          <a:stretch>
-            <a:fillRect/>
-          </a:stretch>
-        </p:blipFill>
-        <p:spPr bwMode="auto">
-          <a:xfrm>
-            <a:off x="1524000" y="0"/>
-            <a:ext cx="9144000" cy="6858000"/>
-          </a:xfrm>
-          <a:prstGeom prst="rect">
-            <a:avLst/>
-          </a:prstGeom>
-          <a:noFill/>
-          <a:ln>
-            <a:noFill/>
-          </a:ln>
-          <a:effectLst/>
-          <a:extLst>
-            <a:ext uri="{909E8E84-426E-40DD-AFC4-6F175D3DCCD1}">
-              <a14:hiddenFill xmlns:a14="http://schemas.microsoft.com/office/drawing/2010/main">
-                <a:solidFill>
-                  <a:srgbClr val="FFFFFF"/>
-                </a:solidFill>
-              </a14:hiddenFill>
-            </a:ext>
-            <a:ext uri="{91240B29-F687-4F45-9708-019B960494DF}">
-              <a14:hiddenLine xmlns:a14="http://schemas.microsoft.com/office/drawing/2010/main" w="9525">
-                <a:solidFill>
-                  <a:srgbClr val="000000"/>
-                </a:solidFill>
-                <a:miter lim="800000"/>
-                <a:headEnd/>
-                <a:tailEnd/>
-              </a14:hiddenLine>
-            </a:ext>
-            <a:ext uri="{AF507438-7753-43E0-B8FC-AC1667EBCBE1}">
-              <a14:hiddenEffects xmlns:a14="http://schemas.microsoft.com/office/drawing/2010/main">
-                <a:effectLst>
-                  <a:outerShdw dist="35921" dir="2700000" algn="ctr" rotWithShape="0">
-                    <a:srgbClr val="808080"/>
-                  </a:outerShdw>
-                </a:effectLst>
-              </a14:hiddenEffects>
-            </a:ext>
-          </a:extLst>
-        </p:spPr>
-      </p:pic>
     </p:spTree>
   </p:cSld>
   <p:clrMapOvr>
     <a:masterClrMapping/>
   </p:clrMapOvr>
-  <p:timing>
-    <p:tnLst>
-      <p:par>
-        <p:cTn id="1" dur="indefinite" restart="never" nodeType="tmRoot">
-          <p:childTnLst>
-            <p:seq concurrent="1" nextAc="seek">
-              <p:cTn id="2" dur="indefinite" nodeType="mainSeq">
-                <p:childTnLst>
-                  <p:par>
-                    <p:cTn id="3" fill="hold" nodeType="clickPar">
-                      <p:stCondLst>
-                        <p:cond delay="indefinite"/>
-                      </p:stCondLst>
-                      <p:childTnLst>
-                        <p:par>
-                          <p:cTn id="4" fill="hold" nodeType="withGroup">
-                            <p:stCondLst>
-                              <p:cond delay="0"/>
-                            </p:stCondLst>
-                            <p:childTnLst>
-                              <p:par>
-                                <p:cTn id="5" presetID="10" presetClass="entr" presetSubtype="0" fill="hold" nodeType="clickEffect">
-                                  <p:stCondLst>
-                                    <p:cond delay="0"/>
-                                  </p:stCondLst>
-                                  <p:childTnLst>
-                                    <p:set>
-                                      <p:cBhvr>
-                                        <p:cTn id="6" dur="1" fill="hold">
-                                          <p:stCondLst>
-                                            <p:cond delay="0"/>
-                                          </p:stCondLst>
-                                        </p:cTn>
-                                        <p:tgtEl>
-                                          <p:spTgt spid="252931"/>
-                                        </p:tgtEl>
-                                        <p:attrNameLst>
-                                          <p:attrName>style.visibility</p:attrName>
-                                        </p:attrNameLst>
-                                      </p:cBhvr>
-                                      <p:to>
-                                        <p:strVal val="visible"/>
-                                      </p:to>
-                                    </p:set>
-                                    <p:animEffect transition="in" filter="fade">
-                                      <p:cBhvr>
-                                        <p:cTn id="7" dur="500"/>
-                                        <p:tgtEl>
-                                          <p:spTgt spid="252931"/>
-                                        </p:tgtEl>
-                                      </p:cBhvr>
-                                    </p:animEffect>
-                                  </p:childTnLst>
-                                </p:cTn>
-                              </p:par>
-                            </p:childTnLst>
-                          </p:cTn>
-                        </p:par>
-                      </p:childTnLst>
-                    </p:cTn>
-                  </p:par>
-                </p:childTnLst>
-              </p:cTn>
-              <p:prevCondLst>
-                <p:cond evt="onPrev" delay="0">
-                  <p:tgtEl>
-                    <p:sldTgt/>
-                  </p:tgtEl>
-                </p:cond>
-              </p:prevCondLst>
-              <p:nextCondLst>
-                <p:cond evt="onNext" delay="0">
-                  <p:tgtEl>
-                    <p:sldTgt/>
-                  </p:tgtEl>
-                </p:cond>
-              </p:nextCondLst>
-            </p:seq>
-          </p:childTnLst>
-        </p:cTn>
-      </p:par>
-    </p:tnLst>
-  </p:timing>
 </p:sld>
 </file>
 
